--- a/updates/7-26-17.pptx
+++ b/updates/7-26-17.pptx
@@ -14,8 +14,8 @@
     <p:sldId id="267" r:id="rId8"/>
     <p:sldId id="268" r:id="rId9"/>
     <p:sldId id="263" r:id="rId10"/>
-    <p:sldId id="260" r:id="rId11"/>
-    <p:sldId id="269" r:id="rId12"/>
+    <p:sldId id="269" r:id="rId11"/>
+    <p:sldId id="260" r:id="rId12"/>
   </p:sldIdLst>
   <p:sldSz cx="12192000" cy="6858000"/>
   <p:notesSz cx="6858000" cy="9144000"/>
@@ -3933,60 +3933,32 @@
           <a:lstStyle/>
           <a:p>
             <a:r>
+              <a:rPr lang="en-US" dirty="0" err="1" smtClean="0"/>
+              <a:t>Neuroevolution</a:t>
+            </a:r>
+            <a:endParaRPr lang="en-US" dirty="0" smtClean="0"/>
+          </a:p>
+          <a:p>
+            <a:pPr lvl="1"/>
+            <a:r>
               <a:rPr lang="en-US" dirty="0" smtClean="0"/>
-              <a:t>Start working on switch puzzles?</a:t>
-            </a:r>
-          </a:p>
-          <a:p>
+              <a:t>After the net solves a puzzle, train on the same moves it made to make it better/faster</a:t>
+            </a:r>
+          </a:p>
+          <a:p>
+            <a:pPr lvl="1"/>
             <a:r>
               <a:rPr lang="en-US" dirty="0" smtClean="0"/>
-              <a:t>Add more layers to CNN</a:t>
-            </a:r>
-          </a:p>
-          <a:p>
-            <a:r>
-              <a:rPr lang="en-US" dirty="0" smtClean="0"/>
-              <a:t>Train on fastest solutions</a:t>
-            </a:r>
-          </a:p>
-          <a:p>
-            <a:r>
-              <a:rPr lang="en-US" dirty="0" smtClean="0"/>
-              <a:t>Train on more puzzles to get more variation (perhaps all single-state puzzles, labs and progression)</a:t>
-            </a:r>
-          </a:p>
-          <a:p>
-            <a:r>
-              <a:rPr lang="en-US" dirty="0" smtClean="0"/>
-              <a:t>Improve domain-specific pipeline</a:t>
-            </a:r>
-          </a:p>
-          <a:p>
-            <a:pPr lvl="1"/>
-            <a:r>
-              <a:rPr lang="en-US" dirty="0" smtClean="0"/>
-              <a:t>Can use </a:t>
-            </a:r>
-            <a:r>
-              <a:rPr lang="en-US" dirty="0" err="1" smtClean="0"/>
-              <a:t>Eternabot</a:t>
-            </a:r>
-            <a:r>
-              <a:rPr lang="en-US" dirty="0" smtClean="0"/>
-              <a:t> rules for this</a:t>
-            </a:r>
-            <a:endParaRPr lang="en-US" dirty="0"/>
-          </a:p>
-          <a:p>
-            <a:pPr lvl="1"/>
-            <a:endParaRPr lang="en-US" dirty="0" smtClean="0"/>
+              <a:t>Problem: what if the net can’t solve a puzzle? Do I still train it on the moves it made?</a:t>
+            </a:r>
+            <a:endParaRPr lang="en-US" dirty="0"/>
           </a:p>
         </p:txBody>
       </p:sp>
     </p:spTree>
     <p:extLst>
       <p:ext uri="{BB962C8B-B14F-4D97-AF65-F5344CB8AC3E}">
-        <p14:creationId xmlns:p14="http://schemas.microsoft.com/office/powerpoint/2010/main" val="1616853442"/>
+        <p14:creationId xmlns:p14="http://schemas.microsoft.com/office/powerpoint/2010/main" val="1973489532"/>
       </p:ext>
     </p:extLst>
   </p:cSld>
@@ -4052,32 +4024,60 @@
           <a:lstStyle/>
           <a:p>
             <a:r>
+              <a:rPr lang="en-US" dirty="0" smtClean="0"/>
+              <a:t>Start working on switch puzzles?</a:t>
+            </a:r>
+          </a:p>
+          <a:p>
+            <a:r>
+              <a:rPr lang="en-US" dirty="0" smtClean="0"/>
+              <a:t>Add more layers to CNN</a:t>
+            </a:r>
+          </a:p>
+          <a:p>
+            <a:r>
+              <a:rPr lang="en-US" dirty="0" smtClean="0"/>
+              <a:t>Train on fastest solutions</a:t>
+            </a:r>
+          </a:p>
+          <a:p>
+            <a:r>
+              <a:rPr lang="en-US" dirty="0" smtClean="0"/>
+              <a:t>Train on more puzzles to get more variation (perhaps all single-state puzzles, labs and progression)</a:t>
+            </a:r>
+          </a:p>
+          <a:p>
+            <a:r>
+              <a:rPr lang="en-US" dirty="0" smtClean="0"/>
+              <a:t>Improve domain-specific pipeline</a:t>
+            </a:r>
+          </a:p>
+          <a:p>
+            <a:pPr lvl="1"/>
+            <a:r>
+              <a:rPr lang="en-US" dirty="0" smtClean="0"/>
+              <a:t>Can use </a:t>
+            </a:r>
+            <a:r>
               <a:rPr lang="en-US" dirty="0" err="1" smtClean="0"/>
-              <a:t>Neuroevolution</a:t>
-            </a:r>
+              <a:t>Eternabot</a:t>
+            </a:r>
+            <a:r>
+              <a:rPr lang="en-US" dirty="0" smtClean="0"/>
+              <a:t> rules for this</a:t>
+            </a:r>
+            <a:endParaRPr lang="en-US" dirty="0"/>
+          </a:p>
+          <a:p>
+            <a:pPr lvl="1"/>
             <a:endParaRPr lang="en-US" dirty="0" smtClean="0"/>
-          </a:p>
-          <a:p>
-            <a:pPr lvl="1"/>
-            <a:r>
-              <a:rPr lang="en-US" dirty="0" smtClean="0"/>
-              <a:t>After the net solves a puzzle, train on the same moves it made to make it better/faster</a:t>
-            </a:r>
-          </a:p>
-          <a:p>
-            <a:pPr lvl="1"/>
-            <a:r>
-              <a:rPr lang="en-US" dirty="0" smtClean="0"/>
-              <a:t>Problem: what if the net can’t solve a puzzle? Do I still train it on the moves it made?</a:t>
-            </a:r>
-            <a:endParaRPr lang="en-US" dirty="0"/>
           </a:p>
         </p:txBody>
       </p:sp>
     </p:spTree>
     <p:extLst>
       <p:ext uri="{BB962C8B-B14F-4D97-AF65-F5344CB8AC3E}">
-        <p14:creationId xmlns:p14="http://schemas.microsoft.com/office/powerpoint/2010/main" val="1973489532"/>
+        <p14:creationId xmlns:p14="http://schemas.microsoft.com/office/powerpoint/2010/main" val="1616853442"/>
       </p:ext>
     </p:extLst>
   </p:cSld>
@@ -4249,11 +4249,7 @@
           <a:p>
             <a:r>
               <a:rPr lang="en-US" dirty="0" smtClean="0"/>
-              <a:t>Validate on </a:t>
-            </a:r>
-            <a:r>
-              <a:rPr lang="en-US" dirty="0" smtClean="0"/>
-              <a:t>Eterna100</a:t>
+              <a:t>Validate on Eterna100</a:t>
             </a:r>
           </a:p>
           <a:p>
@@ -4269,7 +4265,6 @@
               <a:rPr lang="en-US" dirty="0" smtClean="0"/>
               <a:t> to feature space</a:t>
             </a:r>
-            <a:endParaRPr lang="en-US" dirty="0" smtClean="0"/>
           </a:p>
           <a:p>
             <a:r>
@@ -5011,11 +5006,7 @@
           <a:p>
             <a:r>
               <a:rPr lang="en-US" dirty="0" smtClean="0"/>
-              <a:t>Can solve first 10 of </a:t>
-            </a:r>
-            <a:r>
-              <a:rPr lang="en-US" dirty="0" smtClean="0"/>
-              <a:t>Eterna100</a:t>
+              <a:t>Can solve first 10 of Eterna100</a:t>
             </a:r>
           </a:p>
           <a:p>
